--- a/images/deepQ.pptx
+++ b/images/deepQ.pptx
@@ -288,7 +288,7 @@
           <a:p>
             <a:fld id="{860E8F77-DC64-AA4C-8F34-1C34EF1FA77F}" type="datetimeFigureOut">
               <a:rPr lang="en-US" smtClean="0"/>
-              <a:t>3/25/19</a:t>
+              <a:t>3/28/19</a:t>
             </a:fld>
             <a:endParaRPr lang="en-US"/>
           </a:p>
@@ -458,7 +458,7 @@
           <a:p>
             <a:fld id="{860E8F77-DC64-AA4C-8F34-1C34EF1FA77F}" type="datetimeFigureOut">
               <a:rPr lang="en-US" smtClean="0"/>
-              <a:t>3/25/19</a:t>
+              <a:t>3/28/19</a:t>
             </a:fld>
             <a:endParaRPr lang="en-US"/>
           </a:p>
@@ -638,7 +638,7 @@
           <a:p>
             <a:fld id="{860E8F77-DC64-AA4C-8F34-1C34EF1FA77F}" type="datetimeFigureOut">
               <a:rPr lang="en-US" smtClean="0"/>
-              <a:t>3/25/19</a:t>
+              <a:t>3/28/19</a:t>
             </a:fld>
             <a:endParaRPr lang="en-US"/>
           </a:p>
@@ -808,7 +808,7 @@
           <a:p>
             <a:fld id="{860E8F77-DC64-AA4C-8F34-1C34EF1FA77F}" type="datetimeFigureOut">
               <a:rPr lang="en-US" smtClean="0"/>
-              <a:t>3/25/19</a:t>
+              <a:t>3/28/19</a:t>
             </a:fld>
             <a:endParaRPr lang="en-US"/>
           </a:p>
@@ -1054,7 +1054,7 @@
           <a:p>
             <a:fld id="{860E8F77-DC64-AA4C-8F34-1C34EF1FA77F}" type="datetimeFigureOut">
               <a:rPr lang="en-US" smtClean="0"/>
-              <a:t>3/25/19</a:t>
+              <a:t>3/28/19</a:t>
             </a:fld>
             <a:endParaRPr lang="en-US"/>
           </a:p>
@@ -1342,7 +1342,7 @@
           <a:p>
             <a:fld id="{860E8F77-DC64-AA4C-8F34-1C34EF1FA77F}" type="datetimeFigureOut">
               <a:rPr lang="en-US" smtClean="0"/>
-              <a:t>3/25/19</a:t>
+              <a:t>3/28/19</a:t>
             </a:fld>
             <a:endParaRPr lang="en-US"/>
           </a:p>
@@ -1764,7 +1764,7 @@
           <a:p>
             <a:fld id="{860E8F77-DC64-AA4C-8F34-1C34EF1FA77F}" type="datetimeFigureOut">
               <a:rPr lang="en-US" smtClean="0"/>
-              <a:t>3/25/19</a:t>
+              <a:t>3/28/19</a:t>
             </a:fld>
             <a:endParaRPr lang="en-US"/>
           </a:p>
@@ -1882,7 +1882,7 @@
           <a:p>
             <a:fld id="{860E8F77-DC64-AA4C-8F34-1C34EF1FA77F}" type="datetimeFigureOut">
               <a:rPr lang="en-US" smtClean="0"/>
-              <a:t>3/25/19</a:t>
+              <a:t>3/28/19</a:t>
             </a:fld>
             <a:endParaRPr lang="en-US"/>
           </a:p>
@@ -1977,7 +1977,7 @@
           <a:p>
             <a:fld id="{860E8F77-DC64-AA4C-8F34-1C34EF1FA77F}" type="datetimeFigureOut">
               <a:rPr lang="en-US" smtClean="0"/>
-              <a:t>3/25/19</a:t>
+              <a:t>3/28/19</a:t>
             </a:fld>
             <a:endParaRPr lang="en-US"/>
           </a:p>
@@ -2254,7 +2254,7 @@
           <a:p>
             <a:fld id="{860E8F77-DC64-AA4C-8F34-1C34EF1FA77F}" type="datetimeFigureOut">
               <a:rPr lang="en-US" smtClean="0"/>
-              <a:t>3/25/19</a:t>
+              <a:t>3/28/19</a:t>
             </a:fld>
             <a:endParaRPr lang="en-US"/>
           </a:p>
@@ -2507,7 +2507,7 @@
           <a:p>
             <a:fld id="{860E8F77-DC64-AA4C-8F34-1C34EF1FA77F}" type="datetimeFigureOut">
               <a:rPr lang="en-US" smtClean="0"/>
-              <a:t>3/25/19</a:t>
+              <a:t>3/28/19</a:t>
             </a:fld>
             <a:endParaRPr lang="en-US"/>
           </a:p>
@@ -2720,7 +2720,7 @@
           <a:p>
             <a:fld id="{860E8F77-DC64-AA4C-8F34-1C34EF1FA77F}" type="datetimeFigureOut">
               <a:rPr lang="en-US" smtClean="0"/>
-              <a:t>3/25/19</a:t>
+              <a:t>3/28/19</a:t>
             </a:fld>
             <a:endParaRPr lang="en-US"/>
           </a:p>
@@ -3616,7 +3616,7 @@
         <p:spPr>
           <a:xfrm>
             <a:off x="7768950" y="2474290"/>
-            <a:ext cx="2044149" cy="707886"/>
+            <a:ext cx="2457799" cy="707886"/>
           </a:xfrm>
           <a:prstGeom prst="rect">
             <a:avLst/>
@@ -3654,12 +3654,20 @@
           <a:lstStyle/>
           <a:p>
             <a:r>
+              <a:rPr lang="en-US" sz="2000" smtClean="0">
+                <a:solidFill>
+                  <a:schemeClr val="accent6"/>
+                </a:solidFill>
+              </a:rPr>
+              <a:t>freeze target </a:t>
+            </a:r>
+            <a:r>
               <a:rPr lang="en-US" sz="2000" dirty="0" smtClean="0">
                 <a:solidFill>
                   <a:schemeClr val="accent6"/>
                 </a:solidFill>
               </a:rPr>
-              <a:t>target network</a:t>
+              <a:t>network</a:t>
             </a:r>
           </a:p>
           <a:p>
